--- a/Presentation/Finance and Risk Analytics (Jacob).pptx
+++ b/Presentation/Finance and Risk Analytics (Jacob).pptx
@@ -60,6 +60,7 @@
     <p:sldId id="309" r:id="rId54"/>
     <p:sldId id="310" r:id="rId55"/>
     <p:sldId id="311" r:id="rId56"/>
+    <p:sldId id="314" r:id="rId57"/>
   </p:sldIdLst>
   <p:sldSz cx="12192000" cy="6858000"/>
   <p:notesSz cx="6858000" cy="9144000"/>
@@ -12276,7 +12277,7 @@
             <p:ph idx="1"/>
             <p:extLst>
               <p:ext uri="{D42A27DB-BD31-4B8C-83A1-F6EECF244321}">
-                <p14:modId xmlns:p14="http://schemas.microsoft.com/office/powerpoint/2010/main" val="2480554598"/>
+                <p14:modId xmlns:p14="http://schemas.microsoft.com/office/powerpoint/2010/main" val="3757284490"/>
               </p:ext>
             </p:extLst>
           </p:nvPr>
@@ -12744,10 +12745,10 @@
                     <a:p>
                       <a:pPr algn="ctr" fontAlgn="ctr"/>
                       <a:r>
-                        <a:rPr lang="en-IN" sz="1400">
+                        <a:rPr lang="en-IN" sz="1400" dirty="0">
                           <a:effectLst/>
                         </a:rPr>
-                        <a:t>RHHBY</a:t>
+                        <a:t>MS</a:t>
                       </a:r>
                     </a:p>
                   </a:txBody>
@@ -13019,7 +13020,7 @@
             <p:ph idx="1"/>
             <p:extLst>
               <p:ext uri="{D42A27DB-BD31-4B8C-83A1-F6EECF244321}">
-                <p14:modId xmlns:p14="http://schemas.microsoft.com/office/powerpoint/2010/main" val="3728190128"/>
+                <p14:modId xmlns:p14="http://schemas.microsoft.com/office/powerpoint/2010/main" val="3839035223"/>
               </p:ext>
             </p:extLst>
           </p:nvPr>
@@ -13370,10 +13371,10 @@
                     <a:p>
                       <a:pPr algn="ctr" fontAlgn="ctr"/>
                       <a:r>
-                        <a:rPr lang="en-IN" sz="1400">
+                        <a:rPr lang="en-IN" sz="1400" dirty="0">
                           <a:effectLst/>
                         </a:rPr>
-                        <a:t>MS</a:t>
+                        <a:t>MRK</a:t>
                       </a:r>
                     </a:p>
                   </a:txBody>
@@ -13409,7 +13410,7 @@
                     <a:p>
                       <a:pPr algn="ctr" fontAlgn="ctr"/>
                       <a:r>
-                        <a:rPr lang="en-IN" sz="1400">
+                        <a:rPr lang="en-IN" sz="1400" dirty="0">
                           <a:effectLst/>
                         </a:rPr>
                         <a:t>RHHBY</a:t>
@@ -13487,10 +13488,10 @@
                     <a:p>
                       <a:pPr algn="ctr" fontAlgn="ctr"/>
                       <a:r>
-                        <a:rPr lang="en-IN" sz="1400">
+                        <a:rPr lang="en-IN" sz="1400" dirty="0">
                           <a:effectLst/>
                         </a:rPr>
-                        <a:t>RHHBY</a:t>
+                        <a:t>MS</a:t>
                       </a:r>
                     </a:p>
                   </a:txBody>
@@ -13526,7 +13527,7 @@
                     <a:p>
                       <a:pPr algn="ctr" fontAlgn="ctr"/>
                       <a:r>
-                        <a:rPr lang="en-IN" sz="1400">
+                        <a:rPr lang="en-IN" sz="1400" dirty="0">
                           <a:effectLst/>
                         </a:rPr>
                         <a:t>PFE</a:t>
@@ -13565,6 +13566,71 @@
     <p:extLst>
       <p:ext uri="{BB962C8B-B14F-4D97-AF65-F5344CB8AC3E}">
         <p14:creationId xmlns:p14="http://schemas.microsoft.com/office/powerpoint/2010/main" val="2382259790"/>
+      </p:ext>
+    </p:extLst>
+  </p:cSld>
+  <p:clrMapOvr>
+    <a:masterClrMapping/>
+  </p:clrMapOvr>
+</p:sld>
+</file>
+
+<file path=ppt/slides/slide56.xml><?xml version="1.0" encoding="utf-8"?>
+<p:sld xmlns:a="http://schemas.openxmlformats.org/drawingml/2006/main" xmlns:r="http://schemas.openxmlformats.org/officeDocument/2006/relationships" xmlns:p="http://schemas.openxmlformats.org/presentationml/2006/main">
+  <p:cSld>
+    <p:spTree>
+      <p:nvGrpSpPr>
+        <p:cNvPr id="1" name=""/>
+        <p:cNvGrpSpPr/>
+        <p:nvPr/>
+      </p:nvGrpSpPr>
+      <p:grpSpPr>
+        <a:xfrm>
+          <a:off x="0" y="0"/>
+          <a:ext cx="0" cy="0"/>
+          <a:chOff x="0" y="0"/>
+          <a:chExt cx="0" cy="0"/>
+        </a:xfrm>
+      </p:grpSpPr>
+      <p:sp>
+        <p:nvSpPr>
+          <p:cNvPr id="2" name="Title 1">
+            <a:extLst>
+              <a:ext uri="{FF2B5EF4-FFF2-40B4-BE49-F238E27FC236}">
+                <a16:creationId xmlns:a16="http://schemas.microsoft.com/office/drawing/2014/main" id="{CE292FE8-54EC-47A8-A6C7-A5815EE8FDF0}"/>
+              </a:ext>
+            </a:extLst>
+          </p:cNvPr>
+          <p:cNvSpPr>
+            <a:spLocks noGrp="1"/>
+          </p:cNvSpPr>
+          <p:nvPr>
+            <p:ph type="title"/>
+          </p:nvPr>
+        </p:nvSpPr>
+        <p:spPr>
+          <a:xfrm>
+            <a:off x="1030287" y="2700866"/>
+            <a:ext cx="10131425" cy="1456267"/>
+          </a:xfrm>
+        </p:spPr>
+        <p:txBody>
+          <a:bodyPr/>
+          <a:lstStyle/>
+          <a:p>
+            <a:pPr algn="ctr"/>
+            <a:r>
+              <a:rPr lang="en-US" dirty="0"/>
+              <a:t>Task 7 – portfolio Analysis</a:t>
+            </a:r>
+            <a:endParaRPr lang="en-IN" dirty="0"/>
+          </a:p>
+        </p:txBody>
+      </p:sp>
+    </p:spTree>
+    <p:extLst>
+      <p:ext uri="{BB962C8B-B14F-4D97-AF65-F5344CB8AC3E}">
+        <p14:creationId xmlns:p14="http://schemas.microsoft.com/office/powerpoint/2010/main" val="796635365"/>
       </p:ext>
     </p:extLst>
   </p:cSld>

--- a/Presentation/Finance and Risk Analytics (Jacob).pptx
+++ b/Presentation/Finance and Risk Analytics (Jacob).pptx
@@ -61,6 +61,12 @@
     <p:sldId id="310" r:id="rId55"/>
     <p:sldId id="311" r:id="rId56"/>
     <p:sldId id="314" r:id="rId57"/>
+    <p:sldId id="316" r:id="rId58"/>
+    <p:sldId id="318" r:id="rId59"/>
+    <p:sldId id="319" r:id="rId60"/>
+    <p:sldId id="315" r:id="rId61"/>
+    <p:sldId id="317" r:id="rId62"/>
+    <p:sldId id="320" r:id="rId63"/>
   </p:sldIdLst>
   <p:sldSz cx="12192000" cy="6858000"/>
   <p:notesSz cx="6858000" cy="9144000"/>
@@ -397,7 +403,7 @@
             <a:fld id="{B61BEF0D-F0BB-DE4B-95CE-6DB70DBA9567}" type="datetimeFigureOut">
               <a:rPr lang="en-US" dirty="0"/>
               <a:pPr/>
-              <a:t>5/11/2023</a:t>
+              <a:t>5/12/2023</a:t>
             </a:fld>
             <a:endParaRPr lang="en-US" dirty="0"/>
           </a:p>
@@ -728,7 +734,7 @@
             <a:fld id="{B61BEF0D-F0BB-DE4B-95CE-6DB70DBA9567}" type="datetimeFigureOut">
               <a:rPr lang="en-US" dirty="0"/>
               <a:pPr/>
-              <a:t>5/11/2023</a:t>
+              <a:t>5/12/2023</a:t>
             </a:fld>
             <a:endParaRPr lang="en-US" dirty="0"/>
           </a:p>
@@ -1003,7 +1009,7 @@
             <a:fld id="{B61BEF0D-F0BB-DE4B-95CE-6DB70DBA9567}" type="datetimeFigureOut">
               <a:rPr lang="en-US" dirty="0"/>
               <a:pPr/>
-              <a:t>5/11/2023</a:t>
+              <a:t>5/12/2023</a:t>
             </a:fld>
             <a:endParaRPr lang="en-US" dirty="0"/>
           </a:p>
@@ -1568,7 +1574,7 @@
             <a:fld id="{B61BEF0D-F0BB-DE4B-95CE-6DB70DBA9567}" type="datetimeFigureOut">
               <a:rPr lang="en-US" dirty="0"/>
               <a:pPr/>
-              <a:t>5/11/2023</a:t>
+              <a:t>5/12/2023</a:t>
             </a:fld>
             <a:endParaRPr lang="en-US" dirty="0"/>
           </a:p>
@@ -1843,7 +1849,7 @@
             <a:fld id="{B61BEF0D-F0BB-DE4B-95CE-6DB70DBA9567}" type="datetimeFigureOut">
               <a:rPr lang="en-US" dirty="0"/>
               <a:pPr/>
-              <a:t>5/11/2023</a:t>
+              <a:t>5/12/2023</a:t>
             </a:fld>
             <a:endParaRPr lang="en-US" dirty="0"/>
           </a:p>
@@ -2402,7 +2408,7 @@
             <a:fld id="{B61BEF0D-F0BB-DE4B-95CE-6DB70DBA9567}" type="datetimeFigureOut">
               <a:rPr lang="en-US" dirty="0"/>
               <a:pPr/>
-              <a:t>5/11/2023</a:t>
+              <a:t>5/12/2023</a:t>
             </a:fld>
             <a:endParaRPr lang="en-US" dirty="0"/>
           </a:p>
@@ -2726,7 +2732,7 @@
             <a:fld id="{B61BEF0D-F0BB-DE4B-95CE-6DB70DBA9567}" type="datetimeFigureOut">
               <a:rPr lang="en-US" dirty="0"/>
               <a:pPr/>
-              <a:t>5/11/2023</a:t>
+              <a:t>5/12/2023</a:t>
             </a:fld>
             <a:endParaRPr lang="en-US" dirty="0"/>
           </a:p>
@@ -2900,7 +2906,7 @@
             <a:fld id="{B61BEF0D-F0BB-DE4B-95CE-6DB70DBA9567}" type="datetimeFigureOut">
               <a:rPr lang="en-US" dirty="0"/>
               <a:pPr/>
-              <a:t>5/11/2023</a:t>
+              <a:t>5/12/2023</a:t>
             </a:fld>
             <a:endParaRPr lang="en-US" dirty="0"/>
           </a:p>
@@ -3135,7 +3141,7 @@
             <a:fld id="{B61BEF0D-F0BB-DE4B-95CE-6DB70DBA9567}" type="datetimeFigureOut">
               <a:rPr lang="en-US" dirty="0"/>
               <a:pPr/>
-              <a:t>5/11/2023</a:t>
+              <a:t>5/12/2023</a:t>
             </a:fld>
             <a:endParaRPr lang="en-US" dirty="0"/>
           </a:p>
@@ -3332,7 +3338,7 @@
             <a:fld id="{B61BEF0D-F0BB-DE4B-95CE-6DB70DBA9567}" type="datetimeFigureOut">
               <a:rPr lang="en-US" dirty="0"/>
               <a:pPr/>
-              <a:t>5/11/2023</a:t>
+              <a:t>5/12/2023</a:t>
             </a:fld>
             <a:endParaRPr lang="en-US" dirty="0"/>
           </a:p>
@@ -3605,7 +3611,7 @@
             <a:fld id="{B61BEF0D-F0BB-DE4B-95CE-6DB70DBA9567}" type="datetimeFigureOut">
               <a:rPr lang="en-US" dirty="0"/>
               <a:pPr/>
-              <a:t>5/11/2023</a:t>
+              <a:t>5/12/2023</a:t>
             </a:fld>
             <a:endParaRPr lang="en-US" dirty="0"/>
           </a:p>
@@ -3868,7 +3874,7 @@
             <a:fld id="{B61BEF0D-F0BB-DE4B-95CE-6DB70DBA9567}" type="datetimeFigureOut">
               <a:rPr lang="en-US" dirty="0"/>
               <a:pPr/>
-              <a:t>5/11/2023</a:t>
+              <a:t>5/12/2023</a:t>
             </a:fld>
             <a:endParaRPr lang="en-US" dirty="0"/>
           </a:p>
@@ -4239,7 +4245,7 @@
             <a:fld id="{B61BEF0D-F0BB-DE4B-95CE-6DB70DBA9567}" type="datetimeFigureOut">
               <a:rPr lang="en-US" dirty="0"/>
               <a:pPr/>
-              <a:t>5/11/2023</a:t>
+              <a:t>5/12/2023</a:t>
             </a:fld>
             <a:endParaRPr lang="en-US" dirty="0"/>
           </a:p>
@@ -4384,7 +4390,7 @@
             <a:fld id="{B61BEF0D-F0BB-DE4B-95CE-6DB70DBA9567}" type="datetimeFigureOut">
               <a:rPr lang="en-US" dirty="0"/>
               <a:pPr/>
-              <a:t>5/11/2023</a:t>
+              <a:t>5/12/2023</a:t>
             </a:fld>
             <a:endParaRPr lang="en-US" dirty="0"/>
           </a:p>
@@ -4506,7 +4512,7 @@
             <a:fld id="{B61BEF0D-F0BB-DE4B-95CE-6DB70DBA9567}" type="datetimeFigureOut">
               <a:rPr lang="en-US" dirty="0"/>
               <a:pPr/>
-              <a:t>5/11/2023</a:t>
+              <a:t>5/12/2023</a:t>
             </a:fld>
             <a:endParaRPr lang="en-US" dirty="0"/>
           </a:p>
@@ -4788,7 +4794,7 @@
             <a:fld id="{B61BEF0D-F0BB-DE4B-95CE-6DB70DBA9567}" type="datetimeFigureOut">
               <a:rPr lang="en-US" dirty="0"/>
               <a:pPr/>
-              <a:t>5/11/2023</a:t>
+              <a:t>5/12/2023</a:t>
             </a:fld>
             <a:endParaRPr lang="en-US" dirty="0"/>
           </a:p>
@@ -5109,7 +5115,7 @@
             <a:fld id="{B61BEF0D-F0BB-DE4B-95CE-6DB70DBA9567}" type="datetimeFigureOut">
               <a:rPr lang="en-US" dirty="0"/>
               <a:pPr/>
-              <a:t>5/11/2023</a:t>
+              <a:t>5/12/2023</a:t>
             </a:fld>
             <a:endParaRPr lang="en-US" dirty="0"/>
           </a:p>
@@ -5320,7 +5326,7 @@
             <a:fld id="{B61BEF0D-F0BB-DE4B-95CE-6DB70DBA9567}" type="datetimeFigureOut">
               <a:rPr lang="en-US" dirty="0"/>
               <a:pPr/>
-              <a:t>5/11/2023</a:t>
+              <a:t>5/12/2023</a:t>
             </a:fld>
             <a:endParaRPr lang="en-US" dirty="0"/>
           </a:p>
@@ -5936,6 +5942,52 @@
           </a:p>
         </p:txBody>
       </p:sp>
+      <p:pic>
+        <p:nvPicPr>
+          <p:cNvPr id="5" name="Picture 4">
+            <a:extLst>
+              <a:ext uri="{FF2B5EF4-FFF2-40B4-BE49-F238E27FC236}">
+                <a16:creationId xmlns:a16="http://schemas.microsoft.com/office/drawing/2014/main" id="{E7054243-D0FE-407A-9125-47D82CD2B045}"/>
+              </a:ext>
+            </a:extLst>
+          </p:cNvPr>
+          <p:cNvPicPr>
+            <a:picLocks noChangeAspect="1"/>
+          </p:cNvPicPr>
+          <p:nvPr/>
+        </p:nvPicPr>
+        <p:blipFill>
+          <a:blip r:embed="rId2"/>
+          <a:stretch>
+            <a:fillRect/>
+          </a:stretch>
+        </p:blipFill>
+        <p:spPr>
+          <a:xfrm>
+            <a:off x="10447061" y="373966"/>
+            <a:ext cx="1426128" cy="806397"/>
+          </a:xfrm>
+          <a:prstGeom prst="round2DiagRect">
+            <a:avLst>
+              <a:gd name="adj1" fmla="val 16667"/>
+              <a:gd name="adj2" fmla="val 0"/>
+            </a:avLst>
+          </a:prstGeom>
+          <a:ln w="88900" cap="sq">
+            <a:solidFill>
+              <a:srgbClr val="FFFFFF"/>
+            </a:solidFill>
+            <a:miter lim="800000"/>
+          </a:ln>
+          <a:effectLst>
+            <a:outerShdw blurRad="254000" algn="tl" rotWithShape="0">
+              <a:srgbClr val="000000">
+                <a:alpha val="43000"/>
+              </a:srgbClr>
+            </a:outerShdw>
+          </a:effectLst>
+        </p:spPr>
+      </p:pic>
     </p:spTree>
     <p:extLst>
       <p:ext uri="{BB962C8B-B14F-4D97-AF65-F5344CB8AC3E}">
@@ -13640,6 +13692,427 @@
 </p:sld>
 </file>
 
+<file path=ppt/slides/slide57.xml><?xml version="1.0" encoding="utf-8"?>
+<p:sld xmlns:a="http://schemas.openxmlformats.org/drawingml/2006/main" xmlns:r="http://schemas.openxmlformats.org/officeDocument/2006/relationships" xmlns:p="http://schemas.openxmlformats.org/presentationml/2006/main">
+  <p:cSld>
+    <p:spTree>
+      <p:nvGrpSpPr>
+        <p:cNvPr id="1" name=""/>
+        <p:cNvGrpSpPr/>
+        <p:nvPr/>
+      </p:nvGrpSpPr>
+      <p:grpSpPr>
+        <a:xfrm>
+          <a:off x="0" y="0"/>
+          <a:ext cx="0" cy="0"/>
+          <a:chOff x="0" y="0"/>
+          <a:chExt cx="0" cy="0"/>
+        </a:xfrm>
+      </p:grpSpPr>
+      <p:sp>
+        <p:nvSpPr>
+          <p:cNvPr id="2" name="Title 1">
+            <a:extLst>
+              <a:ext uri="{FF2B5EF4-FFF2-40B4-BE49-F238E27FC236}">
+                <a16:creationId xmlns:a16="http://schemas.microsoft.com/office/drawing/2014/main" id="{D3E5BBFA-A4D3-48DB-9E2B-B25E0A027308}"/>
+              </a:ext>
+            </a:extLst>
+          </p:cNvPr>
+          <p:cNvSpPr>
+            <a:spLocks noGrp="1"/>
+          </p:cNvSpPr>
+          <p:nvPr>
+            <p:ph type="title"/>
+          </p:nvPr>
+        </p:nvSpPr>
+        <p:spPr>
+          <a:xfrm>
+            <a:off x="685801" y="609600"/>
+            <a:ext cx="10312166" cy="1456267"/>
+          </a:xfrm>
+        </p:spPr>
+        <p:txBody>
+          <a:bodyPr>
+            <a:normAutofit/>
+          </a:bodyPr>
+          <a:lstStyle/>
+          <a:p>
+            <a:r>
+              <a:rPr lang="en-US" dirty="0"/>
+              <a:t>Stock profit formula and implementation</a:t>
+            </a:r>
+            <a:endParaRPr lang="en-IN" dirty="0"/>
+          </a:p>
+        </p:txBody>
+      </p:sp>
+      <p:sp>
+        <p:nvSpPr>
+          <p:cNvPr id="3" name="Content Placeholder 2">
+            <a:extLst>
+              <a:ext uri="{FF2B5EF4-FFF2-40B4-BE49-F238E27FC236}">
+                <a16:creationId xmlns:a16="http://schemas.microsoft.com/office/drawing/2014/main" id="{6FFCFAF8-3077-4949-9E6A-AF58EAB3CEAC}"/>
+              </a:ext>
+            </a:extLst>
+          </p:cNvPr>
+          <p:cNvSpPr>
+            <a:spLocks noGrp="1"/>
+          </p:cNvSpPr>
+          <p:nvPr>
+            <p:ph idx="1"/>
+          </p:nvPr>
+        </p:nvSpPr>
+        <p:spPr>
+          <a:xfrm>
+            <a:off x="776171" y="2065867"/>
+            <a:ext cx="10131425" cy="3676039"/>
+          </a:xfrm>
+        </p:spPr>
+        <p:txBody>
+          <a:bodyPr>
+            <a:normAutofit fontScale="85000" lnSpcReduction="20000"/>
+          </a:bodyPr>
+          <a:lstStyle/>
+          <a:p>
+            <a:r>
+              <a:rPr lang="en-US" dirty="0"/>
+              <a:t>The formula to calculate stock profit from annualized returns is:</a:t>
+            </a:r>
+          </a:p>
+          <a:p>
+            <a:pPr marL="0" indent="0">
+              <a:buNone/>
+            </a:pPr>
+            <a:endParaRPr lang="en-US" dirty="0"/>
+          </a:p>
+          <a:p>
+            <a:pPr marL="0" indent="0">
+              <a:buNone/>
+            </a:pPr>
+            <a:r>
+              <a:rPr lang="en-US" dirty="0"/>
+              <a:t>	</a:t>
+            </a:r>
+            <a:r>
+              <a:rPr lang="en-US" b="1" dirty="0">
+                <a:solidFill>
+                  <a:srgbClr val="00B050"/>
+                </a:solidFill>
+              </a:rPr>
+              <a:t>Profit = Initial Investment x ((1 + Annualized Returns)^(Holding Period/Number of Years)) - Initial Investment</a:t>
+            </a:r>
+          </a:p>
+          <a:p>
+            <a:pPr marL="0" indent="0">
+              <a:buNone/>
+            </a:pPr>
+            <a:endParaRPr lang="en-US" dirty="0"/>
+          </a:p>
+          <a:p>
+            <a:pPr marL="0" indent="0">
+              <a:buNone/>
+            </a:pPr>
+            <a:r>
+              <a:rPr lang="en-US" dirty="0"/>
+              <a:t>	Where:</a:t>
+            </a:r>
+          </a:p>
+          <a:p>
+            <a:pPr lvl="1"/>
+            <a:r>
+              <a:rPr lang="en-US" dirty="0"/>
+              <a:t>Initial Investment: The amount of money invested at the beginning</a:t>
+            </a:r>
+          </a:p>
+          <a:p>
+            <a:pPr lvl="1"/>
+            <a:endParaRPr lang="en-US" dirty="0"/>
+          </a:p>
+          <a:p>
+            <a:pPr lvl="1"/>
+            <a:r>
+              <a:rPr lang="en-US" dirty="0"/>
+              <a:t>Annualized Returns: The average rate of return per year over a period of time</a:t>
+            </a:r>
+          </a:p>
+          <a:p>
+            <a:pPr marL="457200" lvl="1" indent="0">
+              <a:buNone/>
+            </a:pPr>
+            <a:endParaRPr lang="en-US" dirty="0"/>
+          </a:p>
+          <a:p>
+            <a:pPr lvl="1"/>
+            <a:r>
+              <a:rPr lang="en-US" dirty="0"/>
+              <a:t>Holding Period: The length of the investment period in years</a:t>
+            </a:r>
+          </a:p>
+          <a:p>
+            <a:pPr lvl="1"/>
+            <a:endParaRPr lang="en-US" dirty="0"/>
+          </a:p>
+          <a:p>
+            <a:pPr lvl="1"/>
+            <a:r>
+              <a:rPr lang="en-US" dirty="0"/>
+              <a:t>Number of years: Here it is 1 since the metric is annualised for 1 year</a:t>
+            </a:r>
+          </a:p>
+        </p:txBody>
+      </p:sp>
+    </p:spTree>
+    <p:extLst>
+      <p:ext uri="{BB962C8B-B14F-4D97-AF65-F5344CB8AC3E}">
+        <p14:creationId xmlns:p14="http://schemas.microsoft.com/office/powerpoint/2010/main" val="1513297215"/>
+      </p:ext>
+    </p:extLst>
+  </p:cSld>
+  <p:clrMapOvr>
+    <a:masterClrMapping/>
+  </p:clrMapOvr>
+</p:sld>
+</file>
+
+<file path=ppt/slides/slide58.xml><?xml version="1.0" encoding="utf-8"?>
+<p:sld xmlns:a="http://schemas.openxmlformats.org/drawingml/2006/main" xmlns:r="http://schemas.openxmlformats.org/officeDocument/2006/relationships" xmlns:p="http://schemas.openxmlformats.org/presentationml/2006/main">
+  <p:cSld>
+    <p:spTree>
+      <p:nvGrpSpPr>
+        <p:cNvPr id="1" name=""/>
+        <p:cNvGrpSpPr/>
+        <p:nvPr/>
+      </p:nvGrpSpPr>
+      <p:grpSpPr>
+        <a:xfrm>
+          <a:off x="0" y="0"/>
+          <a:ext cx="0" cy="0"/>
+          <a:chOff x="0" y="0"/>
+          <a:chExt cx="0" cy="0"/>
+        </a:xfrm>
+      </p:grpSpPr>
+      <p:sp>
+        <p:nvSpPr>
+          <p:cNvPr id="2" name="Title 1">
+            <a:extLst>
+              <a:ext uri="{FF2B5EF4-FFF2-40B4-BE49-F238E27FC236}">
+                <a16:creationId xmlns:a16="http://schemas.microsoft.com/office/drawing/2014/main" id="{D3E5BBFA-A4D3-48DB-9E2B-B25E0A027308}"/>
+              </a:ext>
+            </a:extLst>
+          </p:cNvPr>
+          <p:cNvSpPr>
+            <a:spLocks noGrp="1"/>
+          </p:cNvSpPr>
+          <p:nvPr>
+            <p:ph type="title"/>
+          </p:nvPr>
+        </p:nvSpPr>
+        <p:spPr>
+          <a:xfrm>
+            <a:off x="685801" y="609600"/>
+            <a:ext cx="10312166" cy="1456267"/>
+          </a:xfrm>
+        </p:spPr>
+        <p:txBody>
+          <a:bodyPr>
+            <a:normAutofit/>
+          </a:bodyPr>
+          <a:lstStyle/>
+          <a:p>
+            <a:r>
+              <a:rPr lang="en-US" dirty="0"/>
+              <a:t>Mr. patrick Jyengar Stock Portfolio analysis</a:t>
+            </a:r>
+            <a:endParaRPr lang="en-IN" dirty="0"/>
+          </a:p>
+        </p:txBody>
+      </p:sp>
+      <p:sp>
+        <p:nvSpPr>
+          <p:cNvPr id="3" name="Content Placeholder 2">
+            <a:extLst>
+              <a:ext uri="{FF2B5EF4-FFF2-40B4-BE49-F238E27FC236}">
+                <a16:creationId xmlns:a16="http://schemas.microsoft.com/office/drawing/2014/main" id="{6FFCFAF8-3077-4949-9E6A-AF58EAB3CEAC}"/>
+              </a:ext>
+            </a:extLst>
+          </p:cNvPr>
+          <p:cNvSpPr>
+            <a:spLocks noGrp="1"/>
+          </p:cNvSpPr>
+          <p:nvPr>
+            <p:ph idx="1"/>
+          </p:nvPr>
+        </p:nvSpPr>
+        <p:spPr>
+          <a:xfrm>
+            <a:off x="776171" y="2065867"/>
+            <a:ext cx="10131425" cy="3676039"/>
+          </a:xfrm>
+        </p:spPr>
+        <p:txBody>
+          <a:bodyPr>
+            <a:normAutofit/>
+          </a:bodyPr>
+          <a:lstStyle/>
+          <a:p>
+            <a:r>
+              <a:rPr lang="en-US" dirty="0"/>
+              <a:t>Mr. Patrick wants to invest 500K in a magazine '</a:t>
+            </a:r>
+            <a:r>
+              <a:rPr lang="en-US" dirty="0" err="1"/>
+              <a:t>Naturo</a:t>
+            </a:r>
+            <a:r>
+              <a:rPr lang="en-US" dirty="0"/>
+              <a:t>' and the rest will be invested in equities. So the initial investment we have for the stock is 1M - 500K = 500K</a:t>
+            </a:r>
+          </a:p>
+          <a:p>
+            <a:endParaRPr lang="en-US" dirty="0"/>
+          </a:p>
+          <a:p>
+            <a:r>
+              <a:rPr lang="en-US" dirty="0"/>
+              <a:t>We will calculate returns and profit for the next 5 years. So holding period will be 5 years</a:t>
+            </a:r>
+          </a:p>
+          <a:p>
+            <a:endParaRPr lang="en-US" dirty="0"/>
+          </a:p>
+          <a:p>
+            <a:r>
+              <a:rPr lang="en-US" dirty="0"/>
+              <a:t>We also assume that the annualised returns of the stocks remains same for all 5 years</a:t>
+            </a:r>
+          </a:p>
+          <a:p>
+            <a:endParaRPr lang="en-US" dirty="0"/>
+          </a:p>
+          <a:p>
+            <a:r>
+              <a:rPr lang="en-US" dirty="0"/>
+              <a:t>He expects doubling his investment in the next 5 years to buy a minority portion of the magazine '</a:t>
+            </a:r>
+            <a:r>
+              <a:rPr lang="en-US" dirty="0" err="1"/>
+              <a:t>Naturo</a:t>
+            </a:r>
+            <a:r>
+              <a:rPr lang="en-US" dirty="0"/>
+              <a:t>'</a:t>
+            </a:r>
+          </a:p>
+        </p:txBody>
+      </p:sp>
+    </p:spTree>
+    <p:extLst>
+      <p:ext uri="{BB962C8B-B14F-4D97-AF65-F5344CB8AC3E}">
+        <p14:creationId xmlns:p14="http://schemas.microsoft.com/office/powerpoint/2010/main" val="285294716"/>
+      </p:ext>
+    </p:extLst>
+  </p:cSld>
+  <p:clrMapOvr>
+    <a:masterClrMapping/>
+  </p:clrMapOvr>
+</p:sld>
+</file>
+
+<file path=ppt/slides/slide59.xml><?xml version="1.0" encoding="utf-8"?>
+<p:sld xmlns:a="http://schemas.openxmlformats.org/drawingml/2006/main" xmlns:r="http://schemas.openxmlformats.org/officeDocument/2006/relationships" xmlns:p="http://schemas.openxmlformats.org/presentationml/2006/main">
+  <p:cSld>
+    <p:spTree>
+      <p:nvGrpSpPr>
+        <p:cNvPr id="1" name=""/>
+        <p:cNvGrpSpPr/>
+        <p:nvPr/>
+      </p:nvGrpSpPr>
+      <p:grpSpPr>
+        <a:xfrm>
+          <a:off x="0" y="0"/>
+          <a:ext cx="0" cy="0"/>
+          <a:chOff x="0" y="0"/>
+          <a:chExt cx="0" cy="0"/>
+        </a:xfrm>
+      </p:grpSpPr>
+      <p:sp>
+        <p:nvSpPr>
+          <p:cNvPr id="2" name="Title 1">
+            <a:extLst>
+              <a:ext uri="{FF2B5EF4-FFF2-40B4-BE49-F238E27FC236}">
+                <a16:creationId xmlns:a16="http://schemas.microsoft.com/office/drawing/2014/main" id="{D3E5BBFA-A4D3-48DB-9E2B-B25E0A027308}"/>
+              </a:ext>
+            </a:extLst>
+          </p:cNvPr>
+          <p:cNvSpPr>
+            <a:spLocks noGrp="1"/>
+          </p:cNvSpPr>
+          <p:nvPr>
+            <p:ph type="title"/>
+          </p:nvPr>
+        </p:nvSpPr>
+        <p:spPr>
+          <a:xfrm>
+            <a:off x="685801" y="609600"/>
+            <a:ext cx="10312166" cy="1456267"/>
+          </a:xfrm>
+        </p:spPr>
+        <p:txBody>
+          <a:bodyPr>
+            <a:normAutofit/>
+          </a:bodyPr>
+          <a:lstStyle/>
+          <a:p>
+            <a:r>
+              <a:rPr lang="en-US" dirty="0"/>
+              <a:t>Mr. patrick Jyengar Stock Portfolio results</a:t>
+            </a:r>
+            <a:endParaRPr lang="en-IN" dirty="0"/>
+          </a:p>
+        </p:txBody>
+      </p:sp>
+      <p:pic>
+        <p:nvPicPr>
+          <p:cNvPr id="7" name="Picture 6">
+            <a:extLst>
+              <a:ext uri="{FF2B5EF4-FFF2-40B4-BE49-F238E27FC236}">
+                <a16:creationId xmlns:a16="http://schemas.microsoft.com/office/drawing/2014/main" id="{EF302602-3063-4371-81F1-72363C66EE47}"/>
+              </a:ext>
+            </a:extLst>
+          </p:cNvPr>
+          <p:cNvPicPr>
+            <a:picLocks noChangeAspect="1"/>
+          </p:cNvPicPr>
+          <p:nvPr/>
+        </p:nvPicPr>
+        <p:blipFill>
+          <a:blip r:embed="rId2"/>
+          <a:stretch>
+            <a:fillRect/>
+          </a:stretch>
+        </p:blipFill>
+        <p:spPr>
+          <a:xfrm>
+            <a:off x="750401" y="2374674"/>
+            <a:ext cx="10186573" cy="2108652"/>
+          </a:xfrm>
+          <a:prstGeom prst="rect">
+            <a:avLst/>
+          </a:prstGeom>
+        </p:spPr>
+      </p:pic>
+    </p:spTree>
+    <p:extLst>
+      <p:ext uri="{BB962C8B-B14F-4D97-AF65-F5344CB8AC3E}">
+        <p14:creationId xmlns:p14="http://schemas.microsoft.com/office/powerpoint/2010/main" val="3271483753"/>
+      </p:ext>
+    </p:extLst>
+  </p:cSld>
+  <p:clrMapOvr>
+    <a:masterClrMapping/>
+  </p:clrMapOvr>
+</p:sld>
+</file>
+
 <file path=ppt/slides/slide6.xml><?xml version="1.0" encoding="utf-8"?>
 <p:sld xmlns:a="http://schemas.openxmlformats.org/drawingml/2006/main" xmlns:r="http://schemas.openxmlformats.org/officeDocument/2006/relationships" xmlns:p="http://schemas.openxmlformats.org/presentationml/2006/main">
   <p:cSld>
@@ -13750,6 +14223,345 @@
     <p:extLst>
       <p:ext uri="{BB962C8B-B14F-4D97-AF65-F5344CB8AC3E}">
         <p14:creationId xmlns:p14="http://schemas.microsoft.com/office/powerpoint/2010/main" val="3785363324"/>
+      </p:ext>
+    </p:extLst>
+  </p:cSld>
+  <p:clrMapOvr>
+    <a:masterClrMapping/>
+  </p:clrMapOvr>
+</p:sld>
+</file>
+
+<file path=ppt/slides/slide60.xml><?xml version="1.0" encoding="utf-8"?>
+<p:sld xmlns:a="http://schemas.openxmlformats.org/drawingml/2006/main" xmlns:r="http://schemas.openxmlformats.org/officeDocument/2006/relationships" xmlns:p="http://schemas.openxmlformats.org/presentationml/2006/main">
+  <p:cSld>
+    <p:spTree>
+      <p:nvGrpSpPr>
+        <p:cNvPr id="1" name=""/>
+        <p:cNvGrpSpPr/>
+        <p:nvPr/>
+      </p:nvGrpSpPr>
+      <p:grpSpPr>
+        <a:xfrm>
+          <a:off x="0" y="0"/>
+          <a:ext cx="0" cy="0"/>
+          <a:chOff x="0" y="0"/>
+          <a:chExt cx="0" cy="0"/>
+        </a:xfrm>
+      </p:grpSpPr>
+      <p:sp>
+        <p:nvSpPr>
+          <p:cNvPr id="2" name="Title 1">
+            <a:extLst>
+              <a:ext uri="{FF2B5EF4-FFF2-40B4-BE49-F238E27FC236}">
+                <a16:creationId xmlns:a16="http://schemas.microsoft.com/office/drawing/2014/main" id="{D3E5BBFA-A4D3-48DB-9E2B-B25E0A027308}"/>
+              </a:ext>
+            </a:extLst>
+          </p:cNvPr>
+          <p:cNvSpPr>
+            <a:spLocks noGrp="1"/>
+          </p:cNvSpPr>
+          <p:nvPr>
+            <p:ph type="title"/>
+          </p:nvPr>
+        </p:nvSpPr>
+        <p:spPr>
+          <a:xfrm>
+            <a:off x="685801" y="609600"/>
+            <a:ext cx="10312166" cy="1456267"/>
+          </a:xfrm>
+        </p:spPr>
+        <p:txBody>
+          <a:bodyPr>
+            <a:normAutofit/>
+          </a:bodyPr>
+          <a:lstStyle/>
+          <a:p>
+            <a:r>
+              <a:rPr lang="en-US" dirty="0"/>
+              <a:t>Mr. Peter Jyengar Stock Portfolio analysis</a:t>
+            </a:r>
+            <a:endParaRPr lang="en-IN" dirty="0"/>
+          </a:p>
+        </p:txBody>
+      </p:sp>
+      <p:sp>
+        <p:nvSpPr>
+          <p:cNvPr id="3" name="Content Placeholder 2">
+            <a:extLst>
+              <a:ext uri="{FF2B5EF4-FFF2-40B4-BE49-F238E27FC236}">
+                <a16:creationId xmlns:a16="http://schemas.microsoft.com/office/drawing/2014/main" id="{6FFCFAF8-3077-4949-9E6A-AF58EAB3CEAC}"/>
+              </a:ext>
+            </a:extLst>
+          </p:cNvPr>
+          <p:cNvSpPr>
+            <a:spLocks noGrp="1"/>
+          </p:cNvSpPr>
+          <p:nvPr>
+            <p:ph idx="1"/>
+          </p:nvPr>
+        </p:nvSpPr>
+        <p:spPr>
+          <a:xfrm>
+            <a:off x="776171" y="1866729"/>
+            <a:ext cx="10131425" cy="3124541"/>
+          </a:xfrm>
+        </p:spPr>
+        <p:txBody>
+          <a:bodyPr>
+            <a:normAutofit/>
+          </a:bodyPr>
+          <a:lstStyle/>
+          <a:p>
+            <a:r>
+              <a:rPr lang="en-US" dirty="0"/>
+              <a:t>Mr. Peter wants to invest 1 million of the company's cash in high margin stocks</a:t>
+            </a:r>
+          </a:p>
+          <a:p>
+            <a:r>
+              <a:rPr lang="en-US" dirty="0"/>
+              <a:t>We will calculate returns and profit for the next 5 years. So holding period will be 5 years</a:t>
+            </a:r>
+          </a:p>
+          <a:p>
+            <a:r>
+              <a:rPr lang="en-US" dirty="0"/>
+              <a:t>We also assume that the annualised returns of the stocks remains same for all 5 years</a:t>
+            </a:r>
+          </a:p>
+          <a:p>
+            <a:r>
+              <a:rPr lang="en-US" dirty="0"/>
+              <a:t>He also expects to earn high returns within 5 years of investment</a:t>
+            </a:r>
+          </a:p>
+        </p:txBody>
+      </p:sp>
+    </p:spTree>
+    <p:extLst>
+      <p:ext uri="{BB962C8B-B14F-4D97-AF65-F5344CB8AC3E}">
+        <p14:creationId xmlns:p14="http://schemas.microsoft.com/office/powerpoint/2010/main" val="4187546843"/>
+      </p:ext>
+    </p:extLst>
+  </p:cSld>
+  <p:clrMapOvr>
+    <a:masterClrMapping/>
+  </p:clrMapOvr>
+</p:sld>
+</file>
+
+<file path=ppt/slides/slide61.xml><?xml version="1.0" encoding="utf-8"?>
+<p:sld xmlns:a="http://schemas.openxmlformats.org/drawingml/2006/main" xmlns:r="http://schemas.openxmlformats.org/officeDocument/2006/relationships" xmlns:p="http://schemas.openxmlformats.org/presentationml/2006/main">
+  <p:cSld>
+    <p:spTree>
+      <p:nvGrpSpPr>
+        <p:cNvPr id="1" name=""/>
+        <p:cNvGrpSpPr/>
+        <p:nvPr/>
+      </p:nvGrpSpPr>
+      <p:grpSpPr>
+        <a:xfrm>
+          <a:off x="0" y="0"/>
+          <a:ext cx="0" cy="0"/>
+          <a:chOff x="0" y="0"/>
+          <a:chExt cx="0" cy="0"/>
+        </a:xfrm>
+      </p:grpSpPr>
+      <p:sp>
+        <p:nvSpPr>
+          <p:cNvPr id="2" name="Title 1">
+            <a:extLst>
+              <a:ext uri="{FF2B5EF4-FFF2-40B4-BE49-F238E27FC236}">
+                <a16:creationId xmlns:a16="http://schemas.microsoft.com/office/drawing/2014/main" id="{D3E5BBFA-A4D3-48DB-9E2B-B25E0A027308}"/>
+              </a:ext>
+            </a:extLst>
+          </p:cNvPr>
+          <p:cNvSpPr>
+            <a:spLocks noGrp="1"/>
+          </p:cNvSpPr>
+          <p:nvPr>
+            <p:ph type="title"/>
+          </p:nvPr>
+        </p:nvSpPr>
+        <p:spPr>
+          <a:xfrm>
+            <a:off x="685801" y="609600"/>
+            <a:ext cx="10312166" cy="1456267"/>
+          </a:xfrm>
+        </p:spPr>
+        <p:txBody>
+          <a:bodyPr>
+            <a:normAutofit/>
+          </a:bodyPr>
+          <a:lstStyle/>
+          <a:p>
+            <a:r>
+              <a:rPr lang="en-US" dirty="0"/>
+              <a:t>Mr. Peter Jyengar Stock Portfolio results</a:t>
+            </a:r>
+            <a:endParaRPr lang="en-IN" dirty="0"/>
+          </a:p>
+        </p:txBody>
+      </p:sp>
+      <p:pic>
+        <p:nvPicPr>
+          <p:cNvPr id="5" name="Content Placeholder 4">
+            <a:extLst>
+              <a:ext uri="{FF2B5EF4-FFF2-40B4-BE49-F238E27FC236}">
+                <a16:creationId xmlns:a16="http://schemas.microsoft.com/office/drawing/2014/main" id="{6D48BF54-8680-468A-9257-469709BE5C63}"/>
+              </a:ext>
+            </a:extLst>
+          </p:cNvPr>
+          <p:cNvPicPr>
+            <a:picLocks noGrp="1" noChangeAspect="1"/>
+          </p:cNvPicPr>
+          <p:nvPr>
+            <p:ph idx="1"/>
+          </p:nvPr>
+        </p:nvPicPr>
+        <p:blipFill>
+          <a:blip r:embed="rId2"/>
+          <a:stretch>
+            <a:fillRect/>
+          </a:stretch>
+        </p:blipFill>
+        <p:spPr>
+          <a:xfrm>
+            <a:off x="1149699" y="2474150"/>
+            <a:ext cx="9892602" cy="2560585"/>
+          </a:xfrm>
+        </p:spPr>
+      </p:pic>
+    </p:spTree>
+    <p:extLst>
+      <p:ext uri="{BB962C8B-B14F-4D97-AF65-F5344CB8AC3E}">
+        <p14:creationId xmlns:p14="http://schemas.microsoft.com/office/powerpoint/2010/main" val="3705284078"/>
+      </p:ext>
+    </p:extLst>
+  </p:cSld>
+  <p:clrMapOvr>
+    <a:masterClrMapping/>
+  </p:clrMapOvr>
+</p:sld>
+</file>
+
+<file path=ppt/slides/slide62.xml><?xml version="1.0" encoding="utf-8"?>
+<p:sld xmlns:a="http://schemas.openxmlformats.org/drawingml/2006/main" xmlns:r="http://schemas.openxmlformats.org/officeDocument/2006/relationships" xmlns:p="http://schemas.openxmlformats.org/presentationml/2006/main">
+  <p:cSld>
+    <p:spTree>
+      <p:nvGrpSpPr>
+        <p:cNvPr id="1" name=""/>
+        <p:cNvGrpSpPr/>
+        <p:nvPr/>
+      </p:nvGrpSpPr>
+      <p:grpSpPr>
+        <a:xfrm>
+          <a:off x="0" y="0"/>
+          <a:ext cx="0" cy="0"/>
+          <a:chOff x="0" y="0"/>
+          <a:chExt cx="0" cy="0"/>
+        </a:xfrm>
+      </p:grpSpPr>
+      <p:sp>
+        <p:nvSpPr>
+          <p:cNvPr id="2" name="Title 1">
+            <a:extLst>
+              <a:ext uri="{FF2B5EF4-FFF2-40B4-BE49-F238E27FC236}">
+                <a16:creationId xmlns:a16="http://schemas.microsoft.com/office/drawing/2014/main" id="{CE292FE8-54EC-47A8-A6C7-A5815EE8FDF0}"/>
+              </a:ext>
+            </a:extLst>
+          </p:cNvPr>
+          <p:cNvSpPr>
+            <a:spLocks noGrp="1"/>
+          </p:cNvSpPr>
+          <p:nvPr>
+            <p:ph type="title"/>
+          </p:nvPr>
+        </p:nvSpPr>
+        <p:spPr>
+          <a:xfrm>
+            <a:off x="1030287" y="2700866"/>
+            <a:ext cx="10131425" cy="1456267"/>
+          </a:xfrm>
+        </p:spPr>
+        <p:txBody>
+          <a:bodyPr/>
+          <a:lstStyle/>
+          <a:p>
+            <a:pPr algn="ctr"/>
+            <a:r>
+              <a:rPr lang="en-US" dirty="0"/>
+              <a:t>Thank you!!!</a:t>
+            </a:r>
+            <a:endParaRPr lang="en-IN" dirty="0"/>
+          </a:p>
+        </p:txBody>
+      </p:sp>
+      <p:pic>
+        <p:nvPicPr>
+          <p:cNvPr id="3" name="Picture 2">
+            <a:extLst>
+              <a:ext uri="{FF2B5EF4-FFF2-40B4-BE49-F238E27FC236}">
+                <a16:creationId xmlns:a16="http://schemas.microsoft.com/office/drawing/2014/main" id="{146DE06C-4722-4EA8-B126-8201C75981DD}"/>
+              </a:ext>
+            </a:extLst>
+          </p:cNvPr>
+          <p:cNvPicPr>
+            <a:picLocks noChangeAspect="1"/>
+          </p:cNvPicPr>
+          <p:nvPr/>
+        </p:nvPicPr>
+        <p:blipFill>
+          <a:blip r:embed="rId2"/>
+          <a:stretch>
+            <a:fillRect/>
+          </a:stretch>
+        </p:blipFill>
+        <p:spPr>
+          <a:xfrm>
+            <a:off x="10100916" y="0"/>
+            <a:ext cx="2121592" cy="1505843"/>
+          </a:xfrm>
+          <a:prstGeom prst="rect">
+            <a:avLst/>
+          </a:prstGeom>
+        </p:spPr>
+      </p:pic>
+      <p:pic>
+        <p:nvPicPr>
+          <p:cNvPr id="5" name="Picture 4">
+            <a:extLst>
+              <a:ext uri="{FF2B5EF4-FFF2-40B4-BE49-F238E27FC236}">
+                <a16:creationId xmlns:a16="http://schemas.microsoft.com/office/drawing/2014/main" id="{DE81A7A1-C548-4E05-821E-7CB349DBA6C3}"/>
+              </a:ext>
+            </a:extLst>
+          </p:cNvPr>
+          <p:cNvPicPr>
+            <a:picLocks noChangeAspect="1"/>
+          </p:cNvPicPr>
+          <p:nvPr/>
+        </p:nvPicPr>
+        <p:blipFill>
+          <a:blip r:embed="rId3"/>
+          <a:stretch>
+            <a:fillRect/>
+          </a:stretch>
+        </p:blipFill>
+        <p:spPr>
+          <a:xfrm>
+            <a:off x="3352561" y="4157133"/>
+            <a:ext cx="5486876" cy="768163"/>
+          </a:xfrm>
+          <a:prstGeom prst="rect">
+            <a:avLst/>
+          </a:prstGeom>
+        </p:spPr>
+      </p:pic>
+    </p:spTree>
+    <p:extLst>
+      <p:ext uri="{BB962C8B-B14F-4D97-AF65-F5344CB8AC3E}">
+        <p14:creationId xmlns:p14="http://schemas.microsoft.com/office/powerpoint/2010/main" val="1506919182"/>
       </p:ext>
     </p:extLst>
   </p:cSld>
